--- a/Documentacao/ModelagemSistema_TemplateInicial.pptx
+++ b/Documentacao/ModelagemSistema_TemplateInicial.pptx
@@ -217,7 +217,7 @@
           <a:p>
             <a:fld id="{93DDA81E-B6DD-4CA0-9C2D-B0C27B95DC2C}" type="datetimeFigureOut">
               <a:rPr lang="pt-BR" smtClean="0"/>
-              <a:t>27/01/2025</a:t>
+              <a:t>05/02/2025</a:t>
             </a:fld>
             <a:endParaRPr lang="pt-BR"/>
           </a:p>
@@ -2731,7 +2731,7 @@
           <a:p>
             <a:fld id="{C128FA71-3A18-48C0-980F-4B68F7F63042}" type="datetime1">
               <a:rPr lang="en-US" smtClean="0"/>
-              <a:t>1/27/2025</a:t>
+              <a:t>2/5/2025</a:t>
             </a:fld>
             <a:endParaRPr lang="en-US"/>
           </a:p>
@@ -2939,7 +2939,7 @@
           <a:p>
             <a:fld id="{7104EDB3-C0E8-45F8-9E1D-1B6C8D1880C0}" type="datetime1">
               <a:rPr lang="en-US" smtClean="0"/>
-              <a:t>1/27/2025</a:t>
+              <a:t>2/5/2025</a:t>
             </a:fld>
             <a:endParaRPr lang="en-US"/>
           </a:p>
@@ -3149,7 +3149,7 @@
           <a:p>
             <a:fld id="{9CF0EC4B-54ED-4041-B552-9BA760FA3DBA}" type="datetime1">
               <a:rPr lang="en-US" smtClean="0"/>
-              <a:t>1/27/2025</a:t>
+              <a:t>2/5/2025</a:t>
             </a:fld>
             <a:endParaRPr lang="en-US"/>
           </a:p>
@@ -3347,7 +3347,7 @@
           <a:p>
             <a:fld id="{51C1210E-201E-4473-82AC-2466F5386C38}" type="datetime1">
               <a:rPr lang="en-US" smtClean="0"/>
-              <a:t>1/27/2025</a:t>
+              <a:t>2/5/2025</a:t>
             </a:fld>
             <a:endParaRPr lang="en-US"/>
           </a:p>
@@ -3625,7 +3625,7 @@
           <a:p>
             <a:fld id="{B01EA198-6CAB-4B8F-B93F-1F9C8C4B6CE7}" type="datetime1">
               <a:rPr lang="en-US" smtClean="0"/>
-              <a:t>1/27/2025</a:t>
+              <a:t>2/5/2025</a:t>
             </a:fld>
             <a:endParaRPr lang="en-US"/>
           </a:p>
@@ -3897,7 +3897,7 @@
           <a:p>
             <a:fld id="{CA06041F-4525-44D5-AA4F-332294BF1F56}" type="datetime1">
               <a:rPr lang="en-US" smtClean="0"/>
-              <a:t>1/27/2025</a:t>
+              <a:t>2/5/2025</a:t>
             </a:fld>
             <a:endParaRPr lang="en-US"/>
           </a:p>
@@ -4321,7 +4321,7 @@
           <a:p>
             <a:fld id="{F9557091-BBDF-4EB9-BA6B-2BB67AC4FC0F}" type="datetime1">
               <a:rPr lang="en-US" smtClean="0"/>
-              <a:t>1/27/2025</a:t>
+              <a:t>2/5/2025</a:t>
             </a:fld>
             <a:endParaRPr lang="en-US"/>
           </a:p>
@@ -4462,7 +4462,7 @@
           <a:p>
             <a:fld id="{2D6B226B-77A6-410C-9796-083F278E0125}" type="datetime1">
               <a:rPr lang="en-US" smtClean="0"/>
-              <a:t>1/27/2025</a:t>
+              <a:t>2/5/2025</a:t>
             </a:fld>
             <a:endParaRPr lang="en-US"/>
           </a:p>
@@ -4575,7 +4575,7 @@
           <a:p>
             <a:fld id="{A23A578B-D289-4C40-8593-3D356C49DA58}" type="datetime1">
               <a:rPr lang="en-US" smtClean="0"/>
-              <a:t>1/27/2025</a:t>
+              <a:t>2/5/2025</a:t>
             </a:fld>
             <a:endParaRPr lang="en-US"/>
           </a:p>
@@ -4894,7 +4894,7 @@
           <a:p>
             <a:fld id="{713DFAE3-14DB-48A7-A80F-80DDB072CE3D}" type="datetime1">
               <a:rPr lang="en-US" smtClean="0"/>
-              <a:t>1/27/2025</a:t>
+              <a:t>2/5/2025</a:t>
             </a:fld>
             <a:endParaRPr lang="en-US"/>
           </a:p>
@@ -5188,7 +5188,7 @@
           <a:p>
             <a:fld id="{92C5EAEF-6478-4102-8F5D-A5FE9FC97ACB}" type="datetime1">
               <a:rPr lang="en-US" smtClean="0"/>
-              <a:t>1/27/2025</a:t>
+              <a:t>2/5/2025</a:t>
             </a:fld>
             <a:endParaRPr lang="en-US"/>
           </a:p>
@@ -5429,7 +5429,7 @@
           <a:p>
             <a:fld id="{67F45AC6-C491-4585-A584-9CE2AF7D5500}" type="datetime1">
               <a:rPr lang="en-US" smtClean="0"/>
-              <a:t>1/27/2025</a:t>
+              <a:t>2/5/2025</a:t>
             </a:fld>
             <a:endParaRPr lang="en-US"/>
           </a:p>
@@ -5859,7 +5859,7 @@
                 <a16:creationId xmlns:a16="http://schemas.microsoft.com/office/drawing/2014/main" id="{6E448DB1-4196-18A6-15DA-C72635C1B11E}"/>
               </a:ext>
               <a:ext uri="{C183D7F6-B498-43B3-948B-1728B52AA6E4}">
-                <adec:decorative xmlns="" xmlns:adec="http://schemas.microsoft.com/office/drawing/2017/decorative" val="1"/>
+                <adec:decorative xmlns:adec="http://schemas.microsoft.com/office/drawing/2017/decorative" xmlns="" val="1"/>
               </a:ext>
             </a:extLst>
           </p:cNvPr>
@@ -5967,7 +5967,7 @@
                 <a16:creationId xmlns:a16="http://schemas.microsoft.com/office/drawing/2014/main" id="{76A10D8F-D463-70E5-239B-17AD65EF433D}"/>
               </a:ext>
               <a:ext uri="{C183D7F6-B498-43B3-948B-1728B52AA6E4}">
-                <adec:decorative xmlns="" xmlns:adec="http://schemas.microsoft.com/office/drawing/2017/decorative" val="1"/>
+                <adec:decorative xmlns:adec="http://schemas.microsoft.com/office/drawing/2017/decorative" xmlns="" val="1"/>
               </a:ext>
             </a:extLst>
           </p:cNvPr>
@@ -6146,9 +6146,14 @@
           <a:p>
             <a:pPr algn="l"/>
             <a:r>
-              <a:rPr lang="pt-BR" sz="2200" dirty="0"/>
-              <a:t>Nome do Aluno</a:t>
-            </a:r>
+              <a:rPr lang="pt-BR" sz="2200" dirty="0" err="1" smtClean="0"/>
+              <a:t>Júllia</a:t>
+            </a:r>
+            <a:r>
+              <a:rPr lang="pt-BR" sz="2200" dirty="0" smtClean="0"/>
+              <a:t> Rebeca</a:t>
+            </a:r>
+            <a:endParaRPr lang="pt-BR" sz="2200" dirty="0"/>
           </a:p>
         </p:txBody>
       </p:sp>
@@ -6428,7 +6433,7 @@
                 <a16:creationId xmlns:a16="http://schemas.microsoft.com/office/drawing/2014/main" id="{74EA76C7-8C08-E029-0E79-750B71C94A62}"/>
               </a:ext>
               <a:ext uri="{C183D7F6-B498-43B3-948B-1728B52AA6E4}">
-                <adec:decorative xmlns="" xmlns:adec="http://schemas.microsoft.com/office/drawing/2017/decorative" val="1"/>
+                <adec:decorative xmlns:adec="http://schemas.microsoft.com/office/drawing/2017/decorative" xmlns="" val="1"/>
               </a:ext>
             </a:extLst>
           </p:cNvPr>
@@ -6567,7 +6572,7 @@
             <p:ph sz="half" idx="2"/>
             <p:extLst>
               <p:ext uri="{E7BDC344-281C-4309-B0C6-D0EE65EED2A8}">
-                <p202:designPr xmlns="" xmlns:p202="http://schemas.microsoft.com/office/powerpoint/2020/02/main">
+                <p202:designPr xmlns:p202="http://schemas.microsoft.com/office/powerpoint/2020/02/main" xmlns="">
                   <p202:designTagLst>
                     <p202:designTag name="ARCH:1:CLS" val="InformationBlock"/>
                     <p202:designTag name="ARCH:1:VSVAR" val="TitledTextBox"/>
@@ -6863,7 +6868,7 @@
                 <a16:creationId xmlns:a16="http://schemas.microsoft.com/office/drawing/2014/main" id="{74EA76C7-8C08-E029-0E79-750B71C94A62}"/>
               </a:ext>
               <a:ext uri="{C183D7F6-B498-43B3-948B-1728B52AA6E4}">
-                <adec:decorative xmlns="" xmlns:adec="http://schemas.microsoft.com/office/drawing/2017/decorative" val="1"/>
+                <adec:decorative xmlns:adec="http://schemas.microsoft.com/office/drawing/2017/decorative" xmlns="" val="1"/>
               </a:ext>
             </a:extLst>
           </p:cNvPr>
@@ -7624,7 +7629,7 @@
                 <a16:creationId xmlns:a16="http://schemas.microsoft.com/office/drawing/2014/main" id="{5E8D3B17-7638-DFD3-18E4-8A6D611749CF}"/>
               </a:ext>
               <a:ext uri="{C183D7F6-B498-43B3-948B-1728B52AA6E4}">
-                <adec:decorative xmlns="" xmlns:adec="http://schemas.microsoft.com/office/drawing/2017/decorative" val="1"/>
+                <adec:decorative xmlns:adec="http://schemas.microsoft.com/office/drawing/2017/decorative" xmlns="" val="1"/>
               </a:ext>
             </a:extLst>
           </p:cNvPr>
@@ -8059,7 +8064,7 @@
                 <a16:creationId xmlns:a16="http://schemas.microsoft.com/office/drawing/2014/main" id="{B8ADE68D-5E75-5D63-4B8C-6BEFCE9D06E3}"/>
               </a:ext>
               <a:ext uri="{C183D7F6-B498-43B3-948B-1728B52AA6E4}">
-                <adec:decorative xmlns="" xmlns:adec="http://schemas.microsoft.com/office/drawing/2017/decorative" val="1"/>
+                <adec:decorative xmlns:adec="http://schemas.microsoft.com/office/drawing/2017/decorative" xmlns="" val="1"/>
               </a:ext>
             </a:extLst>
           </p:cNvPr>
@@ -9786,7 +9791,7 @@
                 <a16:creationId xmlns:a16="http://schemas.microsoft.com/office/drawing/2014/main" id="{8450EF29-A29A-9417-2B09-074C04064425}"/>
               </a:ext>
               <a:ext uri="{C183D7F6-B498-43B3-948B-1728B52AA6E4}">
-                <adec:decorative xmlns="" xmlns:adec="http://schemas.microsoft.com/office/drawing/2017/decorative" val="1"/>
+                <adec:decorative xmlns:adec="http://schemas.microsoft.com/office/drawing/2017/decorative" xmlns="" val="1"/>
               </a:ext>
             </a:extLst>
           </p:cNvPr>
@@ -10443,7 +10448,7 @@
                 <a16:creationId xmlns:a16="http://schemas.microsoft.com/office/drawing/2014/main" id="{8450EF29-A29A-9417-2B09-074C04064425}"/>
               </a:ext>
               <a:ext uri="{C183D7F6-B498-43B3-948B-1728B52AA6E4}">
-                <adec:decorative xmlns="" xmlns:adec="http://schemas.microsoft.com/office/drawing/2017/decorative" val="1"/>
+                <adec:decorative xmlns:adec="http://schemas.microsoft.com/office/drawing/2017/decorative" xmlns="" val="1"/>
               </a:ext>
             </a:extLst>
           </p:cNvPr>
@@ -11129,7 +11134,7 @@
                 <a16:creationId xmlns:a16="http://schemas.microsoft.com/office/drawing/2014/main" id="{5E8D3B17-7638-DFD3-18E4-8A6D611749CF}"/>
               </a:ext>
               <a:ext uri="{C183D7F6-B498-43B3-948B-1728B52AA6E4}">
-                <adec:decorative xmlns="" xmlns:adec="http://schemas.microsoft.com/office/drawing/2017/decorative" val="1"/>
+                <adec:decorative xmlns:adec="http://schemas.microsoft.com/office/drawing/2017/decorative" xmlns="" val="1"/>
               </a:ext>
             </a:extLst>
           </p:cNvPr>
@@ -11289,7 +11294,7 @@
                 <a16:creationId xmlns:a16="http://schemas.microsoft.com/office/drawing/2014/main" id="{5E8D3B17-7638-DFD3-18E4-8A6D611749CF}"/>
               </a:ext>
               <a:ext uri="{C183D7F6-B498-43B3-948B-1728B52AA6E4}">
-                <adec:decorative xmlns="" xmlns:adec="http://schemas.microsoft.com/office/drawing/2017/decorative" val="1"/>
+                <adec:decorative xmlns:adec="http://schemas.microsoft.com/office/drawing/2017/decorative" xmlns="" val="1"/>
               </a:ext>
             </a:extLst>
           </p:cNvPr>
@@ -11533,7 +11538,7 @@
                 <a16:creationId xmlns:a16="http://schemas.microsoft.com/office/drawing/2014/main" id="{5E8D3B17-7638-DFD3-18E4-8A6D611749CF}"/>
               </a:ext>
               <a:ext uri="{C183D7F6-B498-43B3-948B-1728B52AA6E4}">
-                <adec:decorative xmlns="" xmlns:adec="http://schemas.microsoft.com/office/drawing/2017/decorative" val="1"/>
+                <adec:decorative xmlns:adec="http://schemas.microsoft.com/office/drawing/2017/decorative" xmlns="" val="1"/>
               </a:ext>
             </a:extLst>
           </p:cNvPr>
@@ -12545,7 +12550,7 @@
                 <a16:creationId xmlns:a16="http://schemas.microsoft.com/office/drawing/2014/main" id="{5E8D3B17-7638-DFD3-18E4-8A6D611749CF}"/>
               </a:ext>
               <a:ext uri="{C183D7F6-B498-43B3-948B-1728B52AA6E4}">
-                <adec:decorative xmlns="" xmlns:adec="http://schemas.microsoft.com/office/drawing/2017/decorative" val="1"/>
+                <adec:decorative xmlns:adec="http://schemas.microsoft.com/office/drawing/2017/decorative" xmlns="" val="1"/>
               </a:ext>
             </a:extLst>
           </p:cNvPr>
@@ -13276,7 +13281,7 @@
                 <a16:creationId xmlns:a16="http://schemas.microsoft.com/office/drawing/2014/main" id="{5E8D3B17-7638-DFD3-18E4-8A6D611749CF}"/>
               </a:ext>
               <a:ext uri="{C183D7F6-B498-43B3-948B-1728B52AA6E4}">
-                <adec:decorative xmlns="" xmlns:adec="http://schemas.microsoft.com/office/drawing/2017/decorative" val="1"/>
+                <adec:decorative xmlns:adec="http://schemas.microsoft.com/office/drawing/2017/decorative" xmlns="" val="1"/>
               </a:ext>
             </a:extLst>
           </p:cNvPr>
@@ -13485,7 +13490,7 @@
             <p:ph sz="half" idx="2"/>
             <p:extLst>
               <p:ext uri="{E7BDC344-281C-4309-B0C6-D0EE65EED2A8}">
-                <p202:designPr xmlns="" xmlns:p202="http://schemas.microsoft.com/office/powerpoint/2020/02/main">
+                <p202:designPr xmlns:p202="http://schemas.microsoft.com/office/powerpoint/2020/02/main" xmlns="">
                   <p202:designTagLst>
                     <p202:designTag name="ARCH:1:CLS" val="InformationBlock"/>
                     <p202:designTag name="ARCH:1:VSVAR" val="TitledTextBox"/>
@@ -13737,7 +13742,7 @@
                 <a16:creationId xmlns:a16="http://schemas.microsoft.com/office/drawing/2014/main" id="{5E8D3B17-7638-DFD3-18E4-8A6D611749CF}"/>
               </a:ext>
               <a:ext uri="{C183D7F6-B498-43B3-948B-1728B52AA6E4}">
-                <adec:decorative xmlns="" xmlns:adec="http://schemas.microsoft.com/office/drawing/2017/decorative" val="1"/>
+                <adec:decorative xmlns:adec="http://schemas.microsoft.com/office/drawing/2017/decorative" xmlns="" val="1"/>
               </a:ext>
             </a:extLst>
           </p:cNvPr>
@@ -14604,7 +14609,7 @@
                 <a16:creationId xmlns:a16="http://schemas.microsoft.com/office/drawing/2014/main" id="{5E8D3B17-7638-DFD3-18E4-8A6D611749CF}"/>
               </a:ext>
               <a:ext uri="{C183D7F6-B498-43B3-948B-1728B52AA6E4}">
-                <adec:decorative xmlns="" xmlns:adec="http://schemas.microsoft.com/office/drawing/2017/decorative" val="1"/>
+                <adec:decorative xmlns:adec="http://schemas.microsoft.com/office/drawing/2017/decorative" xmlns="" val="1"/>
               </a:ext>
             </a:extLst>
           </p:cNvPr>
@@ -14741,7 +14746,7 @@
             <p:ph sz="half" idx="2"/>
             <p:extLst>
               <p:ext uri="{E7BDC344-281C-4309-B0C6-D0EE65EED2A8}">
-                <p202:designPr xmlns="" xmlns:p202="http://schemas.microsoft.com/office/powerpoint/2020/02/main">
+                <p202:designPr xmlns:p202="http://schemas.microsoft.com/office/powerpoint/2020/02/main" xmlns="">
                   <p202:designTagLst>
                     <p202:designTag name="ARCH:1:CLS" val="InformationBlock"/>
                     <p202:designTag name="ARCH:1:VSVAR" val="TitledTextBox"/>
@@ -14967,7 +14972,7 @@
                 <a16:creationId xmlns:a16="http://schemas.microsoft.com/office/drawing/2014/main" id="{5E8D3B17-7638-DFD3-18E4-8A6D611749CF}"/>
               </a:ext>
               <a:ext uri="{C183D7F6-B498-43B3-948B-1728B52AA6E4}">
-                <adec:decorative xmlns="" xmlns:adec="http://schemas.microsoft.com/office/drawing/2017/decorative" val="1"/>
+                <adec:decorative xmlns:adec="http://schemas.microsoft.com/office/drawing/2017/decorative" xmlns="" val="1"/>
               </a:ext>
             </a:extLst>
           </p:cNvPr>
@@ -15094,7 +15099,7 @@
             <p:ph sz="half" idx="2"/>
             <p:extLst>
               <p:ext uri="{E7BDC344-281C-4309-B0C6-D0EE65EED2A8}">
-                <p202:designPr xmlns="" xmlns:p202="http://schemas.microsoft.com/office/powerpoint/2020/02/main">
+                <p202:designPr xmlns:p202="http://schemas.microsoft.com/office/powerpoint/2020/02/main" xmlns="">
                   <p202:designTagLst>
                     <p202:designTag name="ARCH:1:CLS" val="InformationBlock"/>
                     <p202:designTag name="ARCH:1:VSVAR" val="TitledTextBox"/>
@@ -15411,7 +15416,7 @@
                 <a16:creationId xmlns:a16="http://schemas.microsoft.com/office/drawing/2014/main" id="{E1D40FB4-97DC-F5FF-9E7A-C10E078A1532}"/>
               </a:ext>
               <a:ext uri="{C183D7F6-B498-43B3-948B-1728B52AA6E4}">
-                <adec:decorative xmlns="" xmlns:adec="http://schemas.microsoft.com/office/drawing/2017/decorative" val="1"/>
+                <adec:decorative xmlns:adec="http://schemas.microsoft.com/office/drawing/2017/decorative" xmlns="" val="1"/>
               </a:ext>
             </a:extLst>
           </p:cNvPr>
@@ -15541,7 +15546,7 @@
             <p:ph sz="half" idx="2"/>
             <p:extLst>
               <p:ext uri="{E7BDC344-281C-4309-B0C6-D0EE65EED2A8}">
-                <p202:designPr xmlns="" xmlns:p202="http://schemas.microsoft.com/office/powerpoint/2020/02/main">
+                <p202:designPr xmlns:p202="http://schemas.microsoft.com/office/powerpoint/2020/02/main" xmlns="">
                   <p202:designTagLst>
                     <p202:designTag name="ARCH:1:CLS" val="InformationBlock"/>
                     <p202:designTag name="ARCH:1:VSVAR" val="TitledTextBox"/>
@@ -15799,7 +15804,7 @@
                 <a16:creationId xmlns:a16="http://schemas.microsoft.com/office/drawing/2014/main" id="{A51D6A68-C3BD-3399-CCA8-A7290FC8E09C}"/>
               </a:ext>
               <a:ext uri="{C183D7F6-B498-43B3-948B-1728B52AA6E4}">
-                <adec:decorative xmlns="" xmlns:adec="http://schemas.microsoft.com/office/drawing/2017/decorative" val="1"/>
+                <adec:decorative xmlns:adec="http://schemas.microsoft.com/office/drawing/2017/decorative" xmlns="" val="1"/>
               </a:ext>
             </a:extLst>
           </p:cNvPr>
@@ -15927,7 +15932,7 @@
             <p:ph sz="half" idx="2"/>
             <p:extLst>
               <p:ext uri="{E7BDC344-281C-4309-B0C6-D0EE65EED2A8}">
-                <p202:designPr xmlns="" xmlns:p202="http://schemas.microsoft.com/office/powerpoint/2020/02/main">
+                <p202:designPr xmlns:p202="http://schemas.microsoft.com/office/powerpoint/2020/02/main" xmlns="">
                   <p202:designTagLst>
                     <p202:designTag name="ARCH:1:CLS" val="InformationBlock"/>
                     <p202:designTag name="ARCH:1:VSVAR" val="TitledTextBox"/>
@@ -16185,7 +16190,7 @@
                 <a16:creationId xmlns:a16="http://schemas.microsoft.com/office/drawing/2014/main" id="{7F39A533-5E9C-439F-5CF1-06FFAB778C1F}"/>
               </a:ext>
               <a:ext uri="{C183D7F6-B498-43B3-948B-1728B52AA6E4}">
-                <adec:decorative xmlns="" xmlns:adec="http://schemas.microsoft.com/office/drawing/2017/decorative" val="1"/>
+                <adec:decorative xmlns:adec="http://schemas.microsoft.com/office/drawing/2017/decorative" xmlns="" val="1"/>
               </a:ext>
             </a:extLst>
           </p:cNvPr>
@@ -16313,7 +16318,7 @@
             <p:ph sz="half" idx="2"/>
             <p:extLst>
               <p:ext uri="{E7BDC344-281C-4309-B0C6-D0EE65EED2A8}">
-                <p202:designPr xmlns="" xmlns:p202="http://schemas.microsoft.com/office/powerpoint/2020/02/main">
+                <p202:designPr xmlns:p202="http://schemas.microsoft.com/office/powerpoint/2020/02/main" xmlns="">
                   <p202:designTagLst>
                     <p202:designTag name="ARCH:1:CLS" val="InformationBlock"/>
                     <p202:designTag name="ARCH:1:VSVAR" val="TitledTextBox"/>
@@ -16586,7 +16591,7 @@
                 <a16:creationId xmlns:a16="http://schemas.microsoft.com/office/drawing/2014/main" id="{A82A2D76-411A-C189-4AD9-642686996848}"/>
               </a:ext>
               <a:ext uri="{C183D7F6-B498-43B3-948B-1728B52AA6E4}">
-                <adec:decorative xmlns="" xmlns:adec="http://schemas.microsoft.com/office/drawing/2017/decorative" val="1"/>
+                <adec:decorative xmlns:adec="http://schemas.microsoft.com/office/drawing/2017/decorative" xmlns="" val="1"/>
               </a:ext>
             </a:extLst>
           </p:cNvPr>
@@ -16714,7 +16719,7 @@
             <p:ph sz="half" idx="2"/>
             <p:extLst>
               <p:ext uri="{E7BDC344-281C-4309-B0C6-D0EE65EED2A8}">
-                <p202:designPr xmlns="" xmlns:p202="http://schemas.microsoft.com/office/powerpoint/2020/02/main">
+                <p202:designPr xmlns:p202="http://schemas.microsoft.com/office/powerpoint/2020/02/main" xmlns="">
                   <p202:designTagLst>
                     <p202:designTag name="ARCH:1:CLS" val="InformationBlock"/>
                     <p202:designTag name="ARCH:1:VSVAR" val="TitledTextBox"/>
@@ -16975,7 +16980,7 @@
                 <a16:creationId xmlns:a16="http://schemas.microsoft.com/office/drawing/2014/main" id="{E482AA53-DA69-E258-8B64-8F8CE86FCDD4}"/>
               </a:ext>
               <a:ext uri="{C183D7F6-B498-43B3-948B-1728B52AA6E4}">
-                <adec:decorative xmlns="" xmlns:adec="http://schemas.microsoft.com/office/drawing/2017/decorative" val="1"/>
+                <adec:decorative xmlns:adec="http://schemas.microsoft.com/office/drawing/2017/decorative" xmlns="" val="1"/>
               </a:ext>
             </a:extLst>
           </p:cNvPr>
@@ -17103,7 +17108,7 @@
             <p:ph sz="half" idx="2"/>
             <p:extLst>
               <p:ext uri="{E7BDC344-281C-4309-B0C6-D0EE65EED2A8}">
-                <p202:designPr xmlns="" xmlns:p202="http://schemas.microsoft.com/office/powerpoint/2020/02/main">
+                <p202:designPr xmlns:p202="http://schemas.microsoft.com/office/powerpoint/2020/02/main" xmlns="">
                   <p202:designTagLst>
                     <p202:designTag name="ARCH:1:CLS" val="InformationBlock"/>
                     <p202:designTag name="ARCH:1:VSVAR" val="TitledTextBox"/>
@@ -17379,7 +17384,7 @@
                 <a16:creationId xmlns:a16="http://schemas.microsoft.com/office/drawing/2014/main" id="{5C27E16A-554C-D4AC-900E-AA69DDAEDE03}"/>
               </a:ext>
               <a:ext uri="{C183D7F6-B498-43B3-948B-1728B52AA6E4}">
-                <adec:decorative xmlns="" xmlns:adec="http://schemas.microsoft.com/office/drawing/2017/decorative" val="1"/>
+                <adec:decorative xmlns:adec="http://schemas.microsoft.com/office/drawing/2017/decorative" xmlns="" val="1"/>
               </a:ext>
             </a:extLst>
           </p:cNvPr>
@@ -17507,7 +17512,7 @@
             <p:ph sz="half" idx="2"/>
             <p:extLst>
               <p:ext uri="{E7BDC344-281C-4309-B0C6-D0EE65EED2A8}">
-                <p202:designPr xmlns="" xmlns:p202="http://schemas.microsoft.com/office/powerpoint/2020/02/main">
+                <p202:designPr xmlns:p202="http://schemas.microsoft.com/office/powerpoint/2020/02/main" xmlns="">
                   <p202:designTagLst>
                     <p202:designTag name="ARCH:1:CLS" val="InformationBlock"/>
                     <p202:designTag name="ARCH:1:VSVAR" val="TitledTextBox"/>
